--- a/decision_tree_regressor/code_architecture_diagram.pptx
+++ b/decision_tree_regressor/code_architecture_diagram.pptx
@@ -261,7 +261,7 @@
           <a:p>
             <a:fld id="{2D72F8D3-476C-4392-960E-7E37C04D549F}" type="datetimeFigureOut">
               <a:rPr lang="en-US" smtClean="0"/>
-              <a:t>1/11/2023</a:t>
+              <a:t>2/16/2023</a:t>
             </a:fld>
             <a:endParaRPr lang="en-US"/>
           </a:p>
@@ -461,7 +461,7 @@
           <a:p>
             <a:fld id="{2D72F8D3-476C-4392-960E-7E37C04D549F}" type="datetimeFigureOut">
               <a:rPr lang="en-US" smtClean="0"/>
-              <a:t>1/11/2023</a:t>
+              <a:t>2/16/2023</a:t>
             </a:fld>
             <a:endParaRPr lang="en-US"/>
           </a:p>
@@ -671,7 +671,7 @@
           <a:p>
             <a:fld id="{2D72F8D3-476C-4392-960E-7E37C04D549F}" type="datetimeFigureOut">
               <a:rPr lang="en-US" smtClean="0"/>
-              <a:t>1/11/2023</a:t>
+              <a:t>2/16/2023</a:t>
             </a:fld>
             <a:endParaRPr lang="en-US"/>
           </a:p>
@@ -871,7 +871,7 @@
           <a:p>
             <a:fld id="{2D72F8D3-476C-4392-960E-7E37C04D549F}" type="datetimeFigureOut">
               <a:rPr lang="en-US" smtClean="0"/>
-              <a:t>1/11/2023</a:t>
+              <a:t>2/16/2023</a:t>
             </a:fld>
             <a:endParaRPr lang="en-US"/>
           </a:p>
@@ -1147,7 +1147,7 @@
           <a:p>
             <a:fld id="{2D72F8D3-476C-4392-960E-7E37C04D549F}" type="datetimeFigureOut">
               <a:rPr lang="en-US" smtClean="0"/>
-              <a:t>1/11/2023</a:t>
+              <a:t>2/16/2023</a:t>
             </a:fld>
             <a:endParaRPr lang="en-US"/>
           </a:p>
@@ -1415,7 +1415,7 @@
           <a:p>
             <a:fld id="{2D72F8D3-476C-4392-960E-7E37C04D549F}" type="datetimeFigureOut">
               <a:rPr lang="en-US" smtClean="0"/>
-              <a:t>1/11/2023</a:t>
+              <a:t>2/16/2023</a:t>
             </a:fld>
             <a:endParaRPr lang="en-US"/>
           </a:p>
@@ -1830,7 +1830,7 @@
           <a:p>
             <a:fld id="{2D72F8D3-476C-4392-960E-7E37C04D549F}" type="datetimeFigureOut">
               <a:rPr lang="en-US" smtClean="0"/>
-              <a:t>1/11/2023</a:t>
+              <a:t>2/16/2023</a:t>
             </a:fld>
             <a:endParaRPr lang="en-US"/>
           </a:p>
@@ -1972,7 +1972,7 @@
           <a:p>
             <a:fld id="{2D72F8D3-476C-4392-960E-7E37C04D549F}" type="datetimeFigureOut">
               <a:rPr lang="en-US" smtClean="0"/>
-              <a:t>1/11/2023</a:t>
+              <a:t>2/16/2023</a:t>
             </a:fld>
             <a:endParaRPr lang="en-US"/>
           </a:p>
@@ -2085,7 +2085,7 @@
           <a:p>
             <a:fld id="{2D72F8D3-476C-4392-960E-7E37C04D549F}" type="datetimeFigureOut">
               <a:rPr lang="en-US" smtClean="0"/>
-              <a:t>1/11/2023</a:t>
+              <a:t>2/16/2023</a:t>
             </a:fld>
             <a:endParaRPr lang="en-US"/>
           </a:p>
@@ -2398,7 +2398,7 @@
           <a:p>
             <a:fld id="{2D72F8D3-476C-4392-960E-7E37C04D549F}" type="datetimeFigureOut">
               <a:rPr lang="en-US" smtClean="0"/>
-              <a:t>1/11/2023</a:t>
+              <a:t>2/16/2023</a:t>
             </a:fld>
             <a:endParaRPr lang="en-US"/>
           </a:p>
@@ -2687,7 +2687,7 @@
           <a:p>
             <a:fld id="{2D72F8D3-476C-4392-960E-7E37C04D549F}" type="datetimeFigureOut">
               <a:rPr lang="en-US" smtClean="0"/>
-              <a:t>1/11/2023</a:t>
+              <a:t>2/16/2023</a:t>
             </a:fld>
             <a:endParaRPr lang="en-US"/>
           </a:p>
@@ -2930,7 +2930,7 @@
           <a:p>
             <a:fld id="{2D72F8D3-476C-4392-960E-7E37C04D549F}" type="datetimeFigureOut">
               <a:rPr lang="en-US" smtClean="0"/>
-              <a:t>1/11/2023</a:t>
+              <a:t>2/16/2023</a:t>
             </a:fld>
             <a:endParaRPr lang="en-US"/>
           </a:p>
@@ -3349,6 +3349,116 @@
       </p:grpSpPr>
       <p:sp>
         <p:nvSpPr>
+          <p:cNvPr id="3" name="Prostokąt 2">
+            <a:extLst>
+              <a:ext uri="{FF2B5EF4-FFF2-40B4-BE49-F238E27FC236}">
+                <a16:creationId xmlns:a16="http://schemas.microsoft.com/office/drawing/2014/main" id="{CC9E04A6-ACB9-4F99-8A03-8CC322977858}"/>
+              </a:ext>
+            </a:extLst>
+          </p:cNvPr>
+          <p:cNvSpPr/>
+          <p:nvPr/>
+        </p:nvSpPr>
+        <p:spPr>
+          <a:xfrm>
+            <a:off x="3793100" y="159025"/>
+            <a:ext cx="7720386" cy="6220869"/>
+          </a:xfrm>
+          <a:prstGeom prst="rect">
+            <a:avLst/>
+          </a:prstGeom>
+          <a:solidFill>
+            <a:schemeClr val="accent6">
+              <a:lumMod val="40000"/>
+              <a:lumOff val="60000"/>
+            </a:schemeClr>
+          </a:solidFill>
+          <a:ln>
+            <a:noFill/>
+          </a:ln>
+        </p:spPr>
+        <p:style>
+          <a:lnRef idx="2">
+            <a:schemeClr val="accent1">
+              <a:shade val="50000"/>
+            </a:schemeClr>
+          </a:lnRef>
+          <a:fillRef idx="1">
+            <a:schemeClr val="accent1"/>
+          </a:fillRef>
+          <a:effectRef idx="0">
+            <a:schemeClr val="accent1"/>
+          </a:effectRef>
+          <a:fontRef idx="minor">
+            <a:schemeClr val="lt1"/>
+          </a:fontRef>
+        </p:style>
+        <p:txBody>
+          <a:bodyPr rtlCol="0" anchor="ctr"/>
+          <a:lstStyle/>
+          <a:p>
+            <a:pPr algn="ctr"/>
+            <a:endParaRPr lang="en-US"/>
+          </a:p>
+        </p:txBody>
+      </p:sp>
+      <p:sp>
+        <p:nvSpPr>
+          <p:cNvPr id="2" name="Prostokąt 1">
+            <a:extLst>
+              <a:ext uri="{FF2B5EF4-FFF2-40B4-BE49-F238E27FC236}">
+                <a16:creationId xmlns:a16="http://schemas.microsoft.com/office/drawing/2014/main" id="{ABD6FB95-319D-497F-B1E9-8D87C6736582}"/>
+              </a:ext>
+            </a:extLst>
+          </p:cNvPr>
+          <p:cNvSpPr/>
+          <p:nvPr/>
+        </p:nvSpPr>
+        <p:spPr>
+          <a:xfrm>
+            <a:off x="135172" y="1264257"/>
+            <a:ext cx="3647655" cy="1765182"/>
+          </a:xfrm>
+          <a:prstGeom prst="rect">
+            <a:avLst/>
+          </a:prstGeom>
+          <a:solidFill>
+            <a:schemeClr val="accent5">
+              <a:lumMod val="40000"/>
+              <a:lumOff val="60000"/>
+            </a:schemeClr>
+          </a:solidFill>
+          <a:ln>
+            <a:noFill/>
+          </a:ln>
+        </p:spPr>
+        <p:style>
+          <a:lnRef idx="2">
+            <a:schemeClr val="accent1">
+              <a:shade val="50000"/>
+            </a:schemeClr>
+          </a:lnRef>
+          <a:fillRef idx="1">
+            <a:schemeClr val="accent1"/>
+          </a:fillRef>
+          <a:effectRef idx="0">
+            <a:schemeClr val="accent1"/>
+          </a:effectRef>
+          <a:fontRef idx="minor">
+            <a:schemeClr val="lt1"/>
+          </a:fontRef>
+        </p:style>
+        <p:txBody>
+          <a:bodyPr rtlCol="0" anchor="ctr"/>
+          <a:lstStyle/>
+          <a:p>
+            <a:pPr algn="ctr"/>
+            <a:endParaRPr lang="en-US"/>
+          </a:p>
+        </p:txBody>
+      </p:sp>
+      <p:sp>
+        <p:nvSpPr>
           <p:cNvPr id="5" name="pole tekstowe 4">
             <a:extLst>
               <a:ext uri="{FF2B5EF4-FFF2-40B4-BE49-F238E27FC236}">
@@ -3759,7 +3869,7 @@
         </p:nvSpPr>
         <p:spPr>
           <a:xfrm>
-            <a:off x="3068754" y="220792"/>
+            <a:off x="3840704" y="213226"/>
             <a:ext cx="2158778" cy="369332"/>
           </a:xfrm>
           <a:prstGeom prst="rect">
